--- a/materials/shooting.pptx
+++ b/materials/shooting.pptx
@@ -104,6 +104,11 @@
       </a:defRPr>
     </a:lvl9pPr>
   </p:defaultTextStyle>
+  <p:extLst>
+    <p:ext uri="{EFAFB233-063F-42B5-8137-9DF3F51BA10A}">
+      <p15:sldGuideLst xmlns:p15="http://schemas.microsoft.com/office/powerpoint/2012/main"/>
+    </p:ext>
+  </p:extLst>
 </p:presentation>
 </file>
 
@@ -254,7 +259,7 @@
           <a:p>
             <a:fld id="{7FC9EE2E-489D-244C-8382-2AAEF0304F87}" type="datetimeFigureOut">
               <a:rPr kumimoji="1" lang="ja-JP" altLang="en-US" smtClean="0"/>
-              <a:t>2025/7/2</a:t>
+              <a:t>2025/7/9</a:t>
             </a:fld>
             <a:endParaRPr kumimoji="1" lang="ja-JP" altLang="en-US"/>
           </a:p>
@@ -484,7 +489,7 @@
           <a:p>
             <a:fld id="{7FC9EE2E-489D-244C-8382-2AAEF0304F87}" type="datetimeFigureOut">
               <a:rPr kumimoji="1" lang="ja-JP" altLang="en-US" smtClean="0"/>
-              <a:t>2025/7/2</a:t>
+              <a:t>2025/7/9</a:t>
             </a:fld>
             <a:endParaRPr kumimoji="1" lang="ja-JP" altLang="en-US"/>
           </a:p>
@@ -724,7 +729,7 @@
           <a:p>
             <a:fld id="{7FC9EE2E-489D-244C-8382-2AAEF0304F87}" type="datetimeFigureOut">
               <a:rPr kumimoji="1" lang="ja-JP" altLang="en-US" smtClean="0"/>
-              <a:t>2025/7/2</a:t>
+              <a:t>2025/7/9</a:t>
             </a:fld>
             <a:endParaRPr kumimoji="1" lang="ja-JP" altLang="en-US"/>
           </a:p>
@@ -954,7 +959,7 @@
           <a:p>
             <a:fld id="{7FC9EE2E-489D-244C-8382-2AAEF0304F87}" type="datetimeFigureOut">
               <a:rPr kumimoji="1" lang="ja-JP" altLang="en-US" smtClean="0"/>
-              <a:t>2025/7/2</a:t>
+              <a:t>2025/7/9</a:t>
             </a:fld>
             <a:endParaRPr kumimoji="1" lang="ja-JP" altLang="en-US"/>
           </a:p>
@@ -1229,7 +1234,7 @@
           <a:p>
             <a:fld id="{7FC9EE2E-489D-244C-8382-2AAEF0304F87}" type="datetimeFigureOut">
               <a:rPr kumimoji="1" lang="ja-JP" altLang="en-US" smtClean="0"/>
-              <a:t>2025/7/2</a:t>
+              <a:t>2025/7/9</a:t>
             </a:fld>
             <a:endParaRPr kumimoji="1" lang="ja-JP" altLang="en-US"/>
           </a:p>
@@ -1558,7 +1563,7 @@
           <a:p>
             <a:fld id="{7FC9EE2E-489D-244C-8382-2AAEF0304F87}" type="datetimeFigureOut">
               <a:rPr kumimoji="1" lang="ja-JP" altLang="en-US" smtClean="0"/>
-              <a:t>2025/7/2</a:t>
+              <a:t>2025/7/9</a:t>
             </a:fld>
             <a:endParaRPr kumimoji="1" lang="ja-JP" altLang="en-US"/>
           </a:p>
@@ -2034,7 +2039,7 @@
           <a:p>
             <a:fld id="{7FC9EE2E-489D-244C-8382-2AAEF0304F87}" type="datetimeFigureOut">
               <a:rPr kumimoji="1" lang="ja-JP" altLang="en-US" smtClean="0"/>
-              <a:t>2025/7/2</a:t>
+              <a:t>2025/7/9</a:t>
             </a:fld>
             <a:endParaRPr kumimoji="1" lang="ja-JP" altLang="en-US"/>
           </a:p>
@@ -2175,7 +2180,7 @@
           <a:p>
             <a:fld id="{7FC9EE2E-489D-244C-8382-2AAEF0304F87}" type="datetimeFigureOut">
               <a:rPr kumimoji="1" lang="ja-JP" altLang="en-US" smtClean="0"/>
-              <a:t>2025/7/2</a:t>
+              <a:t>2025/7/9</a:t>
             </a:fld>
             <a:endParaRPr kumimoji="1" lang="ja-JP" altLang="en-US"/>
           </a:p>
@@ -2288,7 +2293,7 @@
           <a:p>
             <a:fld id="{7FC9EE2E-489D-244C-8382-2AAEF0304F87}" type="datetimeFigureOut">
               <a:rPr kumimoji="1" lang="ja-JP" altLang="en-US" smtClean="0"/>
-              <a:t>2025/7/2</a:t>
+              <a:t>2025/7/9</a:t>
             </a:fld>
             <a:endParaRPr kumimoji="1" lang="ja-JP" altLang="en-US"/>
           </a:p>
@@ -2631,7 +2636,7 @@
           <a:p>
             <a:fld id="{7FC9EE2E-489D-244C-8382-2AAEF0304F87}" type="datetimeFigureOut">
               <a:rPr kumimoji="1" lang="ja-JP" altLang="en-US" smtClean="0"/>
-              <a:t>2025/7/2</a:t>
+              <a:t>2025/7/9</a:t>
             </a:fld>
             <a:endParaRPr kumimoji="1" lang="ja-JP" altLang="en-US"/>
           </a:p>
@@ -2919,7 +2924,7 @@
           <a:p>
             <a:fld id="{7FC9EE2E-489D-244C-8382-2AAEF0304F87}" type="datetimeFigureOut">
               <a:rPr kumimoji="1" lang="ja-JP" altLang="en-US" smtClean="0"/>
-              <a:t>2025/7/2</a:t>
+              <a:t>2025/7/9</a:t>
             </a:fld>
             <a:endParaRPr kumimoji="1" lang="ja-JP" altLang="en-US"/>
           </a:p>
@@ -3192,7 +3197,7 @@
           <a:p>
             <a:fld id="{7FC9EE2E-489D-244C-8382-2AAEF0304F87}" type="datetimeFigureOut">
               <a:rPr kumimoji="1" lang="ja-JP" altLang="en-US" smtClean="0"/>
-              <a:t>2025/7/2</a:t>
+              <a:t>2025/7/9</a:t>
             </a:fld>
             <a:endParaRPr kumimoji="1" lang="ja-JP" altLang="en-US"/>
           </a:p>
@@ -4025,10 +4030,10 @@
       </p:sp>
       <p:sp>
         <p:nvSpPr>
-          <p:cNvPr id="26" name="太陽 25">
-            <a:extLst>
-              <a:ext uri="{FF2B5EF4-FFF2-40B4-BE49-F238E27FC236}">
-                <a16:creationId xmlns:a16="http://schemas.microsoft.com/office/drawing/2014/main" id="{2B7A2D1D-F79C-A67A-80C8-9499F7A391A9}"/>
+          <p:cNvPr id="50" name="角丸四角形 49">
+            <a:extLst>
+              <a:ext uri="{FF2B5EF4-FFF2-40B4-BE49-F238E27FC236}">
+                <a16:creationId xmlns:a16="http://schemas.microsoft.com/office/drawing/2014/main" id="{06354EE8-5254-3DDA-42CD-FC4C2F270BFC}"/>
               </a:ext>
             </a:extLst>
           </p:cNvPr>
@@ -4037,1072 +4042,7 @@
         </p:nvSpPr>
         <p:spPr>
           <a:xfrm>
-            <a:off x="1106905" y="3429000"/>
-            <a:ext cx="174458" cy="168442"/>
-          </a:xfrm>
-          <a:prstGeom prst="sun">
-            <a:avLst/>
-          </a:prstGeom>
-        </p:spPr>
-        <p:style>
-          <a:lnRef idx="2">
-            <a:schemeClr val="accent1">
-              <a:shade val="15000"/>
-            </a:schemeClr>
-          </a:lnRef>
-          <a:fillRef idx="1">
-            <a:schemeClr val="accent1"/>
-          </a:fillRef>
-          <a:effectRef idx="0">
-            <a:schemeClr val="accent1"/>
-          </a:effectRef>
-          <a:fontRef idx="minor">
-            <a:schemeClr val="lt1"/>
-          </a:fontRef>
-        </p:style>
-        <p:txBody>
-          <a:bodyPr rtlCol="0" anchor="ctr"/>
-          <a:lstStyle/>
-          <a:p>
-            <a:pPr algn="ctr"/>
-            <a:endParaRPr kumimoji="1" lang="ja-JP" altLang="en-US"/>
-          </a:p>
-        </p:txBody>
-      </p:sp>
-      <p:sp>
-        <p:nvSpPr>
-          <p:cNvPr id="28" name="太陽 27">
-            <a:extLst>
-              <a:ext uri="{FF2B5EF4-FFF2-40B4-BE49-F238E27FC236}">
-                <a16:creationId xmlns:a16="http://schemas.microsoft.com/office/drawing/2014/main" id="{29309C3F-2051-B682-F326-E2CB4FF9D43D}"/>
-              </a:ext>
-            </a:extLst>
-          </p:cNvPr>
-          <p:cNvSpPr/>
-          <p:nvPr/>
-        </p:nvSpPr>
-        <p:spPr>
-          <a:xfrm>
-            <a:off x="1259305" y="3581400"/>
-            <a:ext cx="174458" cy="168442"/>
-          </a:xfrm>
-          <a:prstGeom prst="sun">
-            <a:avLst/>
-          </a:prstGeom>
-        </p:spPr>
-        <p:style>
-          <a:lnRef idx="2">
-            <a:schemeClr val="accent1">
-              <a:shade val="15000"/>
-            </a:schemeClr>
-          </a:lnRef>
-          <a:fillRef idx="1">
-            <a:schemeClr val="accent1"/>
-          </a:fillRef>
-          <a:effectRef idx="0">
-            <a:schemeClr val="accent1"/>
-          </a:effectRef>
-          <a:fontRef idx="minor">
-            <a:schemeClr val="lt1"/>
-          </a:fontRef>
-        </p:style>
-        <p:txBody>
-          <a:bodyPr rtlCol="0" anchor="ctr"/>
-          <a:lstStyle/>
-          <a:p>
-            <a:pPr algn="ctr"/>
-            <a:endParaRPr kumimoji="1" lang="ja-JP" altLang="en-US"/>
-          </a:p>
-        </p:txBody>
-      </p:sp>
-      <p:sp>
-        <p:nvSpPr>
-          <p:cNvPr id="29" name="太陽 28">
-            <a:extLst>
-              <a:ext uri="{FF2B5EF4-FFF2-40B4-BE49-F238E27FC236}">
-                <a16:creationId xmlns:a16="http://schemas.microsoft.com/office/drawing/2014/main" id="{24C31A02-832F-CE82-DCD5-BD2F01A96ECB}"/>
-              </a:ext>
-            </a:extLst>
-          </p:cNvPr>
-          <p:cNvSpPr/>
-          <p:nvPr/>
-        </p:nvSpPr>
-        <p:spPr>
-          <a:xfrm>
-            <a:off x="1411705" y="3733800"/>
-            <a:ext cx="174458" cy="168442"/>
-          </a:xfrm>
-          <a:prstGeom prst="sun">
-            <a:avLst/>
-          </a:prstGeom>
-        </p:spPr>
-        <p:style>
-          <a:lnRef idx="2">
-            <a:schemeClr val="accent1">
-              <a:shade val="15000"/>
-            </a:schemeClr>
-          </a:lnRef>
-          <a:fillRef idx="1">
-            <a:schemeClr val="accent1"/>
-          </a:fillRef>
-          <a:effectRef idx="0">
-            <a:schemeClr val="accent1"/>
-          </a:effectRef>
-          <a:fontRef idx="minor">
-            <a:schemeClr val="lt1"/>
-          </a:fontRef>
-        </p:style>
-        <p:txBody>
-          <a:bodyPr rtlCol="0" anchor="ctr"/>
-          <a:lstStyle/>
-          <a:p>
-            <a:pPr algn="ctr"/>
-            <a:endParaRPr kumimoji="1" lang="ja-JP" altLang="en-US"/>
-          </a:p>
-        </p:txBody>
-      </p:sp>
-      <p:sp>
-        <p:nvSpPr>
-          <p:cNvPr id="30" name="太陽 29">
-            <a:extLst>
-              <a:ext uri="{FF2B5EF4-FFF2-40B4-BE49-F238E27FC236}">
-                <a16:creationId xmlns:a16="http://schemas.microsoft.com/office/drawing/2014/main" id="{D3A84495-36BE-07AD-38E4-A38DA44418D7}"/>
-              </a:ext>
-            </a:extLst>
-          </p:cNvPr>
-          <p:cNvSpPr/>
-          <p:nvPr/>
-        </p:nvSpPr>
-        <p:spPr>
-          <a:xfrm>
-            <a:off x="1564105" y="3886200"/>
-            <a:ext cx="174458" cy="168442"/>
-          </a:xfrm>
-          <a:prstGeom prst="sun">
-            <a:avLst/>
-          </a:prstGeom>
-        </p:spPr>
-        <p:style>
-          <a:lnRef idx="2">
-            <a:schemeClr val="accent1">
-              <a:shade val="15000"/>
-            </a:schemeClr>
-          </a:lnRef>
-          <a:fillRef idx="1">
-            <a:schemeClr val="accent1"/>
-          </a:fillRef>
-          <a:effectRef idx="0">
-            <a:schemeClr val="accent1"/>
-          </a:effectRef>
-          <a:fontRef idx="minor">
-            <a:schemeClr val="lt1"/>
-          </a:fontRef>
-        </p:style>
-        <p:txBody>
-          <a:bodyPr rtlCol="0" anchor="ctr"/>
-          <a:lstStyle/>
-          <a:p>
-            <a:pPr algn="ctr"/>
-            <a:endParaRPr kumimoji="1" lang="ja-JP" altLang="en-US"/>
-          </a:p>
-        </p:txBody>
-      </p:sp>
-      <p:sp>
-        <p:nvSpPr>
-          <p:cNvPr id="31" name="太陽 30">
-            <a:extLst>
-              <a:ext uri="{FF2B5EF4-FFF2-40B4-BE49-F238E27FC236}">
-                <a16:creationId xmlns:a16="http://schemas.microsoft.com/office/drawing/2014/main" id="{6D7598FF-CCC4-B318-D889-C5B6CF6AF3E9}"/>
-              </a:ext>
-            </a:extLst>
-          </p:cNvPr>
-          <p:cNvSpPr/>
-          <p:nvPr/>
-        </p:nvSpPr>
-        <p:spPr>
-          <a:xfrm>
-            <a:off x="1716505" y="4038600"/>
-            <a:ext cx="174458" cy="168442"/>
-          </a:xfrm>
-          <a:prstGeom prst="sun">
-            <a:avLst/>
-          </a:prstGeom>
-        </p:spPr>
-        <p:style>
-          <a:lnRef idx="2">
-            <a:schemeClr val="accent1">
-              <a:shade val="15000"/>
-            </a:schemeClr>
-          </a:lnRef>
-          <a:fillRef idx="1">
-            <a:schemeClr val="accent1"/>
-          </a:fillRef>
-          <a:effectRef idx="0">
-            <a:schemeClr val="accent1"/>
-          </a:effectRef>
-          <a:fontRef idx="minor">
-            <a:schemeClr val="lt1"/>
-          </a:fontRef>
-        </p:style>
-        <p:txBody>
-          <a:bodyPr rtlCol="0" anchor="ctr"/>
-          <a:lstStyle/>
-          <a:p>
-            <a:pPr algn="ctr"/>
-            <a:endParaRPr kumimoji="1" lang="ja-JP" altLang="en-US"/>
-          </a:p>
-        </p:txBody>
-      </p:sp>
-      <p:sp>
-        <p:nvSpPr>
-          <p:cNvPr id="32" name="太陽 31">
-            <a:extLst>
-              <a:ext uri="{FF2B5EF4-FFF2-40B4-BE49-F238E27FC236}">
-                <a16:creationId xmlns:a16="http://schemas.microsoft.com/office/drawing/2014/main" id="{990E5251-4F03-4EAA-3251-71E961CC1957}"/>
-              </a:ext>
-            </a:extLst>
-          </p:cNvPr>
-          <p:cNvSpPr/>
-          <p:nvPr/>
-        </p:nvSpPr>
-        <p:spPr>
-          <a:xfrm>
-            <a:off x="1857875" y="2735179"/>
-            <a:ext cx="174458" cy="168442"/>
-          </a:xfrm>
-          <a:prstGeom prst="sun">
-            <a:avLst/>
-          </a:prstGeom>
-        </p:spPr>
-        <p:style>
-          <a:lnRef idx="2">
-            <a:schemeClr val="accent1">
-              <a:shade val="15000"/>
-            </a:schemeClr>
-          </a:lnRef>
-          <a:fillRef idx="1">
-            <a:schemeClr val="accent1"/>
-          </a:fillRef>
-          <a:effectRef idx="0">
-            <a:schemeClr val="accent1"/>
-          </a:effectRef>
-          <a:fontRef idx="minor">
-            <a:schemeClr val="lt1"/>
-          </a:fontRef>
-        </p:style>
-        <p:txBody>
-          <a:bodyPr rtlCol="0" anchor="ctr"/>
-          <a:lstStyle/>
-          <a:p>
-            <a:pPr algn="ctr"/>
-            <a:endParaRPr kumimoji="1" lang="ja-JP" altLang="en-US"/>
-          </a:p>
-        </p:txBody>
-      </p:sp>
-      <p:sp>
-        <p:nvSpPr>
-          <p:cNvPr id="33" name="太陽 32">
-            <a:extLst>
-              <a:ext uri="{FF2B5EF4-FFF2-40B4-BE49-F238E27FC236}">
-                <a16:creationId xmlns:a16="http://schemas.microsoft.com/office/drawing/2014/main" id="{EAF0F852-6C24-EF78-1C5B-DFDCA6C280F4}"/>
-              </a:ext>
-            </a:extLst>
-          </p:cNvPr>
-          <p:cNvSpPr/>
-          <p:nvPr/>
-        </p:nvSpPr>
-        <p:spPr>
-          <a:xfrm>
-            <a:off x="1649329" y="2879558"/>
-            <a:ext cx="174458" cy="168442"/>
-          </a:xfrm>
-          <a:prstGeom prst="sun">
-            <a:avLst/>
-          </a:prstGeom>
-        </p:spPr>
-        <p:style>
-          <a:lnRef idx="2">
-            <a:schemeClr val="accent1">
-              <a:shade val="15000"/>
-            </a:schemeClr>
-          </a:lnRef>
-          <a:fillRef idx="1">
-            <a:schemeClr val="accent1"/>
-          </a:fillRef>
-          <a:effectRef idx="0">
-            <a:schemeClr val="accent1"/>
-          </a:effectRef>
-          <a:fontRef idx="minor">
-            <a:schemeClr val="lt1"/>
-          </a:fontRef>
-        </p:style>
-        <p:txBody>
-          <a:bodyPr rtlCol="0" anchor="ctr"/>
-          <a:lstStyle/>
-          <a:p>
-            <a:pPr algn="ctr"/>
-            <a:endParaRPr kumimoji="1" lang="ja-JP" altLang="en-US"/>
-          </a:p>
-        </p:txBody>
-      </p:sp>
-      <p:sp>
-        <p:nvSpPr>
-          <p:cNvPr id="34" name="太陽 33">
-            <a:extLst>
-              <a:ext uri="{FF2B5EF4-FFF2-40B4-BE49-F238E27FC236}">
-                <a16:creationId xmlns:a16="http://schemas.microsoft.com/office/drawing/2014/main" id="{31112304-4072-BD43-2A20-EB9D9E0B1E90}"/>
-              </a:ext>
-            </a:extLst>
-          </p:cNvPr>
-          <p:cNvSpPr/>
-          <p:nvPr/>
-        </p:nvSpPr>
-        <p:spPr>
-          <a:xfrm>
-            <a:off x="1474871" y="3039979"/>
-            <a:ext cx="174458" cy="168442"/>
-          </a:xfrm>
-          <a:prstGeom prst="sun">
-            <a:avLst/>
-          </a:prstGeom>
-        </p:spPr>
-        <p:style>
-          <a:lnRef idx="2">
-            <a:schemeClr val="accent1">
-              <a:shade val="15000"/>
-            </a:schemeClr>
-          </a:lnRef>
-          <a:fillRef idx="1">
-            <a:schemeClr val="accent1"/>
-          </a:fillRef>
-          <a:effectRef idx="0">
-            <a:schemeClr val="accent1"/>
-          </a:effectRef>
-          <a:fontRef idx="minor">
-            <a:schemeClr val="lt1"/>
-          </a:fontRef>
-        </p:style>
-        <p:txBody>
-          <a:bodyPr rtlCol="0" anchor="ctr"/>
-          <a:lstStyle/>
-          <a:p>
-            <a:pPr algn="ctr"/>
-            <a:endParaRPr kumimoji="1" lang="ja-JP" altLang="en-US"/>
-          </a:p>
-        </p:txBody>
-      </p:sp>
-      <p:sp>
-        <p:nvSpPr>
-          <p:cNvPr id="35" name="太陽 34">
-            <a:extLst>
-              <a:ext uri="{FF2B5EF4-FFF2-40B4-BE49-F238E27FC236}">
-                <a16:creationId xmlns:a16="http://schemas.microsoft.com/office/drawing/2014/main" id="{C31A8A7A-BDD9-A1BE-F449-96996F74576A}"/>
-              </a:ext>
-            </a:extLst>
-          </p:cNvPr>
-          <p:cNvSpPr/>
-          <p:nvPr/>
-        </p:nvSpPr>
-        <p:spPr>
-          <a:xfrm>
-            <a:off x="1284371" y="3192379"/>
-            <a:ext cx="174458" cy="168442"/>
-          </a:xfrm>
-          <a:prstGeom prst="sun">
-            <a:avLst/>
-          </a:prstGeom>
-        </p:spPr>
-        <p:style>
-          <a:lnRef idx="2">
-            <a:schemeClr val="accent1">
-              <a:shade val="15000"/>
-            </a:schemeClr>
-          </a:lnRef>
-          <a:fillRef idx="1">
-            <a:schemeClr val="accent1"/>
-          </a:fillRef>
-          <a:effectRef idx="0">
-            <a:schemeClr val="accent1"/>
-          </a:effectRef>
-          <a:fontRef idx="minor">
-            <a:schemeClr val="lt1"/>
-          </a:fontRef>
-        </p:style>
-        <p:txBody>
-          <a:bodyPr rtlCol="0" anchor="ctr"/>
-          <a:lstStyle/>
-          <a:p>
-            <a:pPr algn="ctr"/>
-            <a:endParaRPr kumimoji="1" lang="ja-JP" altLang="en-US"/>
-          </a:p>
-        </p:txBody>
-      </p:sp>
-      <p:sp>
-        <p:nvSpPr>
-          <p:cNvPr id="36" name="太陽 35">
-            <a:extLst>
-              <a:ext uri="{FF2B5EF4-FFF2-40B4-BE49-F238E27FC236}">
-                <a16:creationId xmlns:a16="http://schemas.microsoft.com/office/drawing/2014/main" id="{32E548C3-7988-00E5-299F-079AD9AE11F1}"/>
-              </a:ext>
-            </a:extLst>
-          </p:cNvPr>
-          <p:cNvSpPr/>
-          <p:nvPr/>
-        </p:nvSpPr>
-        <p:spPr>
-          <a:xfrm>
-            <a:off x="1868905" y="4191000"/>
-            <a:ext cx="174458" cy="168442"/>
-          </a:xfrm>
-          <a:prstGeom prst="sun">
-            <a:avLst/>
-          </a:prstGeom>
-        </p:spPr>
-        <p:style>
-          <a:lnRef idx="2">
-            <a:schemeClr val="accent1">
-              <a:shade val="15000"/>
-            </a:schemeClr>
-          </a:lnRef>
-          <a:fillRef idx="1">
-            <a:schemeClr val="accent1"/>
-          </a:fillRef>
-          <a:effectRef idx="0">
-            <a:schemeClr val="accent1"/>
-          </a:effectRef>
-          <a:fontRef idx="minor">
-            <a:schemeClr val="lt1"/>
-          </a:fontRef>
-        </p:style>
-        <p:txBody>
-          <a:bodyPr rtlCol="0" anchor="ctr"/>
-          <a:lstStyle/>
-          <a:p>
-            <a:pPr algn="ctr"/>
-            <a:endParaRPr kumimoji="1" lang="ja-JP" altLang="en-US"/>
-          </a:p>
-        </p:txBody>
-      </p:sp>
-      <p:sp>
-        <p:nvSpPr>
-          <p:cNvPr id="37" name="太陽 36">
-            <a:extLst>
-              <a:ext uri="{FF2B5EF4-FFF2-40B4-BE49-F238E27FC236}">
-                <a16:creationId xmlns:a16="http://schemas.microsoft.com/office/drawing/2014/main" id="{9ED549CF-29EA-B394-3AB2-766859CEE16E}"/>
-              </a:ext>
-            </a:extLst>
-          </p:cNvPr>
-          <p:cNvSpPr/>
-          <p:nvPr/>
-        </p:nvSpPr>
-        <p:spPr>
-          <a:xfrm>
-            <a:off x="2021305" y="4343400"/>
-            <a:ext cx="174458" cy="168442"/>
-          </a:xfrm>
-          <a:prstGeom prst="sun">
-            <a:avLst/>
-          </a:prstGeom>
-        </p:spPr>
-        <p:style>
-          <a:lnRef idx="2">
-            <a:schemeClr val="accent1">
-              <a:shade val="15000"/>
-            </a:schemeClr>
-          </a:lnRef>
-          <a:fillRef idx="1">
-            <a:schemeClr val="accent1"/>
-          </a:fillRef>
-          <a:effectRef idx="0">
-            <a:schemeClr val="accent1"/>
-          </a:effectRef>
-          <a:fontRef idx="minor">
-            <a:schemeClr val="lt1"/>
-          </a:fontRef>
-        </p:style>
-        <p:txBody>
-          <a:bodyPr rtlCol="0" anchor="ctr"/>
-          <a:lstStyle/>
-          <a:p>
-            <a:pPr algn="ctr"/>
-            <a:endParaRPr kumimoji="1" lang="ja-JP" altLang="en-US"/>
-          </a:p>
-        </p:txBody>
-      </p:sp>
-      <p:sp>
-        <p:nvSpPr>
-          <p:cNvPr id="38" name="太陽 37">
-            <a:extLst>
-              <a:ext uri="{FF2B5EF4-FFF2-40B4-BE49-F238E27FC236}">
-                <a16:creationId xmlns:a16="http://schemas.microsoft.com/office/drawing/2014/main" id="{FE84ADE4-1FEC-6BF0-7D32-58997B745A9B}"/>
-              </a:ext>
-            </a:extLst>
-          </p:cNvPr>
-          <p:cNvSpPr/>
-          <p:nvPr/>
-        </p:nvSpPr>
-        <p:spPr>
-          <a:xfrm>
-            <a:off x="2032333" y="3392905"/>
-            <a:ext cx="174458" cy="168442"/>
-          </a:xfrm>
-          <a:prstGeom prst="sun">
-            <a:avLst/>
-          </a:prstGeom>
-        </p:spPr>
-        <p:style>
-          <a:lnRef idx="2">
-            <a:schemeClr val="accent1">
-              <a:shade val="15000"/>
-            </a:schemeClr>
-          </a:lnRef>
-          <a:fillRef idx="1">
-            <a:schemeClr val="accent1"/>
-          </a:fillRef>
-          <a:effectRef idx="0">
-            <a:schemeClr val="accent1"/>
-          </a:effectRef>
-          <a:fontRef idx="minor">
-            <a:schemeClr val="lt1"/>
-          </a:fontRef>
-        </p:style>
-        <p:txBody>
-          <a:bodyPr rtlCol="0" anchor="ctr"/>
-          <a:lstStyle/>
-          <a:p>
-            <a:pPr algn="ctr"/>
-            <a:endParaRPr kumimoji="1" lang="ja-JP" altLang="en-US"/>
-          </a:p>
-        </p:txBody>
-      </p:sp>
-      <p:sp>
-        <p:nvSpPr>
-          <p:cNvPr id="39" name="太陽 38">
-            <a:extLst>
-              <a:ext uri="{FF2B5EF4-FFF2-40B4-BE49-F238E27FC236}">
-                <a16:creationId xmlns:a16="http://schemas.microsoft.com/office/drawing/2014/main" id="{40997DB2-69F8-8EFD-728F-2B6364704EB1}"/>
-              </a:ext>
-            </a:extLst>
-          </p:cNvPr>
-          <p:cNvSpPr/>
-          <p:nvPr/>
-        </p:nvSpPr>
-        <p:spPr>
-          <a:xfrm>
-            <a:off x="1801729" y="3404937"/>
-            <a:ext cx="174458" cy="168442"/>
-          </a:xfrm>
-          <a:prstGeom prst="sun">
-            <a:avLst/>
-          </a:prstGeom>
-        </p:spPr>
-        <p:style>
-          <a:lnRef idx="2">
-            <a:schemeClr val="accent1">
-              <a:shade val="15000"/>
-            </a:schemeClr>
-          </a:lnRef>
-          <a:fillRef idx="1">
-            <a:schemeClr val="accent1"/>
-          </a:fillRef>
-          <a:effectRef idx="0">
-            <a:schemeClr val="accent1"/>
-          </a:effectRef>
-          <a:fontRef idx="minor">
-            <a:schemeClr val="lt1"/>
-          </a:fontRef>
-        </p:style>
-        <p:txBody>
-          <a:bodyPr rtlCol="0" anchor="ctr"/>
-          <a:lstStyle/>
-          <a:p>
-            <a:pPr algn="ctr"/>
-            <a:endParaRPr kumimoji="1" lang="ja-JP" altLang="en-US"/>
-          </a:p>
-        </p:txBody>
-      </p:sp>
-      <p:sp>
-        <p:nvSpPr>
-          <p:cNvPr id="40" name="太陽 39">
-            <a:extLst>
-              <a:ext uri="{FF2B5EF4-FFF2-40B4-BE49-F238E27FC236}">
-                <a16:creationId xmlns:a16="http://schemas.microsoft.com/office/drawing/2014/main" id="{0B438158-E55F-87FC-29A5-40690620A701}"/>
-              </a:ext>
-            </a:extLst>
-          </p:cNvPr>
-          <p:cNvSpPr/>
-          <p:nvPr/>
-        </p:nvSpPr>
-        <p:spPr>
-          <a:xfrm>
-            <a:off x="1576137" y="3404937"/>
-            <a:ext cx="174458" cy="168442"/>
-          </a:xfrm>
-          <a:prstGeom prst="sun">
-            <a:avLst/>
-          </a:prstGeom>
-        </p:spPr>
-        <p:style>
-          <a:lnRef idx="2">
-            <a:schemeClr val="accent1">
-              <a:shade val="15000"/>
-            </a:schemeClr>
-          </a:lnRef>
-          <a:fillRef idx="1">
-            <a:schemeClr val="accent1"/>
-          </a:fillRef>
-          <a:effectRef idx="0">
-            <a:schemeClr val="accent1"/>
-          </a:effectRef>
-          <a:fontRef idx="minor">
-            <a:schemeClr val="lt1"/>
-          </a:fontRef>
-        </p:style>
-        <p:txBody>
-          <a:bodyPr rtlCol="0" anchor="ctr"/>
-          <a:lstStyle/>
-          <a:p>
-            <a:pPr algn="ctr"/>
-            <a:endParaRPr kumimoji="1" lang="ja-JP" altLang="en-US"/>
-          </a:p>
-        </p:txBody>
-      </p:sp>
-      <p:sp>
-        <p:nvSpPr>
-          <p:cNvPr id="41" name="太陽 40">
-            <a:extLst>
-              <a:ext uri="{FF2B5EF4-FFF2-40B4-BE49-F238E27FC236}">
-                <a16:creationId xmlns:a16="http://schemas.microsoft.com/office/drawing/2014/main" id="{D279C37B-1533-4780-7B3A-A19A228649FD}"/>
-              </a:ext>
-            </a:extLst>
-          </p:cNvPr>
-          <p:cNvSpPr/>
-          <p:nvPr/>
-        </p:nvSpPr>
-        <p:spPr>
-          <a:xfrm>
-            <a:off x="1369594" y="3412958"/>
-            <a:ext cx="174458" cy="168442"/>
-          </a:xfrm>
-          <a:prstGeom prst="sun">
-            <a:avLst/>
-          </a:prstGeom>
-        </p:spPr>
-        <p:style>
-          <a:lnRef idx="2">
-            <a:schemeClr val="accent1">
-              <a:shade val="15000"/>
-            </a:schemeClr>
-          </a:lnRef>
-          <a:fillRef idx="1">
-            <a:schemeClr val="accent1"/>
-          </a:fillRef>
-          <a:effectRef idx="0">
-            <a:schemeClr val="accent1"/>
-          </a:effectRef>
-          <a:fontRef idx="minor">
-            <a:schemeClr val="lt1"/>
-          </a:fontRef>
-        </p:style>
-        <p:txBody>
-          <a:bodyPr rtlCol="0" anchor="ctr"/>
-          <a:lstStyle/>
-          <a:p>
-            <a:pPr algn="ctr"/>
-            <a:endParaRPr kumimoji="1" lang="ja-JP" altLang="en-US"/>
-          </a:p>
-        </p:txBody>
-      </p:sp>
-      <p:sp>
-        <p:nvSpPr>
-          <p:cNvPr id="42" name="太陽 41">
-            <a:extLst>
-              <a:ext uri="{FF2B5EF4-FFF2-40B4-BE49-F238E27FC236}">
-                <a16:creationId xmlns:a16="http://schemas.microsoft.com/office/drawing/2014/main" id="{FD2D85CF-7821-3558-2B9F-8DA5FE62A044}"/>
-              </a:ext>
-            </a:extLst>
-          </p:cNvPr>
-          <p:cNvSpPr/>
-          <p:nvPr/>
-        </p:nvSpPr>
-        <p:spPr>
-          <a:xfrm>
-            <a:off x="2247898" y="3392905"/>
-            <a:ext cx="174458" cy="168442"/>
-          </a:xfrm>
-          <a:prstGeom prst="sun">
-            <a:avLst/>
-          </a:prstGeom>
-        </p:spPr>
-        <p:style>
-          <a:lnRef idx="2">
-            <a:schemeClr val="accent1">
-              <a:shade val="15000"/>
-            </a:schemeClr>
-          </a:lnRef>
-          <a:fillRef idx="1">
-            <a:schemeClr val="accent1"/>
-          </a:fillRef>
-          <a:effectRef idx="0">
-            <a:schemeClr val="accent1"/>
-          </a:effectRef>
-          <a:fontRef idx="minor">
-            <a:schemeClr val="lt1"/>
-          </a:fontRef>
-        </p:style>
-        <p:txBody>
-          <a:bodyPr rtlCol="0" anchor="ctr"/>
-          <a:lstStyle/>
-          <a:p>
-            <a:pPr algn="ctr"/>
-            <a:endParaRPr kumimoji="1" lang="ja-JP" altLang="en-US"/>
-          </a:p>
-        </p:txBody>
-      </p:sp>
-      <p:sp>
-        <p:nvSpPr>
-          <p:cNvPr id="43" name="太陽 42">
-            <a:extLst>
-              <a:ext uri="{FF2B5EF4-FFF2-40B4-BE49-F238E27FC236}">
-                <a16:creationId xmlns:a16="http://schemas.microsoft.com/office/drawing/2014/main" id="{2765205C-CD2D-152E-65C7-56E69F20FDEE}"/>
-              </a:ext>
-            </a:extLst>
-          </p:cNvPr>
-          <p:cNvSpPr/>
-          <p:nvPr/>
-        </p:nvSpPr>
-        <p:spPr>
-          <a:xfrm>
-            <a:off x="2463463" y="3396915"/>
-            <a:ext cx="174458" cy="168442"/>
-          </a:xfrm>
-          <a:prstGeom prst="sun">
-            <a:avLst/>
-          </a:prstGeom>
-        </p:spPr>
-        <p:style>
-          <a:lnRef idx="2">
-            <a:schemeClr val="accent1">
-              <a:shade val="15000"/>
-            </a:schemeClr>
-          </a:lnRef>
-          <a:fillRef idx="1">
-            <a:schemeClr val="accent1"/>
-          </a:fillRef>
-          <a:effectRef idx="0">
-            <a:schemeClr val="accent1"/>
-          </a:effectRef>
-          <a:fontRef idx="minor">
-            <a:schemeClr val="lt1"/>
-          </a:fontRef>
-        </p:style>
-        <p:txBody>
-          <a:bodyPr rtlCol="0" anchor="ctr"/>
-          <a:lstStyle/>
-          <a:p>
-            <a:pPr algn="ctr"/>
-            <a:endParaRPr kumimoji="1" lang="ja-JP" altLang="en-US"/>
-          </a:p>
-        </p:txBody>
-      </p:sp>
-      <p:sp>
-        <p:nvSpPr>
-          <p:cNvPr id="44" name="太陽 43">
-            <a:extLst>
-              <a:ext uri="{FF2B5EF4-FFF2-40B4-BE49-F238E27FC236}">
-                <a16:creationId xmlns:a16="http://schemas.microsoft.com/office/drawing/2014/main" id="{37A58D6F-B02A-1BDC-A67E-D9B61FECC160}"/>
-              </a:ext>
-            </a:extLst>
-          </p:cNvPr>
-          <p:cNvSpPr/>
-          <p:nvPr/>
-        </p:nvSpPr>
-        <p:spPr>
-          <a:xfrm>
-            <a:off x="2271962" y="2550695"/>
-            <a:ext cx="174458" cy="168442"/>
-          </a:xfrm>
-          <a:prstGeom prst="sun">
-            <a:avLst/>
-          </a:prstGeom>
-        </p:spPr>
-        <p:style>
-          <a:lnRef idx="2">
-            <a:schemeClr val="accent1">
-              <a:shade val="15000"/>
-            </a:schemeClr>
-          </a:lnRef>
-          <a:fillRef idx="1">
-            <a:schemeClr val="accent1"/>
-          </a:fillRef>
-          <a:effectRef idx="0">
-            <a:schemeClr val="accent1"/>
-          </a:effectRef>
-          <a:fontRef idx="minor">
-            <a:schemeClr val="lt1"/>
-          </a:fontRef>
-        </p:style>
-        <p:txBody>
-          <a:bodyPr rtlCol="0" anchor="ctr"/>
-          <a:lstStyle/>
-          <a:p>
-            <a:pPr algn="ctr"/>
-            <a:endParaRPr kumimoji="1" lang="ja-JP" altLang="en-US"/>
-          </a:p>
-        </p:txBody>
-      </p:sp>
-      <p:sp>
-        <p:nvSpPr>
-          <p:cNvPr id="45" name="太陽 44">
-            <a:extLst>
-              <a:ext uri="{FF2B5EF4-FFF2-40B4-BE49-F238E27FC236}">
-                <a16:creationId xmlns:a16="http://schemas.microsoft.com/office/drawing/2014/main" id="{8D637D1E-79EE-9091-3969-0E017D8D10CF}"/>
-              </a:ext>
-            </a:extLst>
-          </p:cNvPr>
-          <p:cNvSpPr/>
-          <p:nvPr/>
-        </p:nvSpPr>
-        <p:spPr>
-          <a:xfrm>
-            <a:off x="2184733" y="4447673"/>
-            <a:ext cx="174458" cy="168442"/>
-          </a:xfrm>
-          <a:prstGeom prst="sun">
-            <a:avLst/>
-          </a:prstGeom>
-        </p:spPr>
-        <p:style>
-          <a:lnRef idx="2">
-            <a:schemeClr val="accent1">
-              <a:shade val="15000"/>
-            </a:schemeClr>
-          </a:lnRef>
-          <a:fillRef idx="1">
-            <a:schemeClr val="accent1"/>
-          </a:fillRef>
-          <a:effectRef idx="0">
-            <a:schemeClr val="accent1"/>
-          </a:effectRef>
-          <a:fontRef idx="minor">
-            <a:schemeClr val="lt1"/>
-          </a:fontRef>
-        </p:style>
-        <p:txBody>
-          <a:bodyPr rtlCol="0" anchor="ctr"/>
-          <a:lstStyle/>
-          <a:p>
-            <a:pPr algn="ctr"/>
-            <a:endParaRPr kumimoji="1" lang="ja-JP" altLang="en-US"/>
-          </a:p>
-        </p:txBody>
-      </p:sp>
-      <p:sp>
-        <p:nvSpPr>
-          <p:cNvPr id="46" name="太陽 45">
-            <a:extLst>
-              <a:ext uri="{FF2B5EF4-FFF2-40B4-BE49-F238E27FC236}">
-                <a16:creationId xmlns:a16="http://schemas.microsoft.com/office/drawing/2014/main" id="{E831E420-1184-0BD6-7E1C-C69A5892F490}"/>
-              </a:ext>
-            </a:extLst>
-          </p:cNvPr>
-          <p:cNvSpPr/>
-          <p:nvPr/>
-        </p:nvSpPr>
-        <p:spPr>
-          <a:xfrm>
-            <a:off x="2050379" y="2642937"/>
-            <a:ext cx="174458" cy="168442"/>
-          </a:xfrm>
-          <a:prstGeom prst="sun">
-            <a:avLst/>
-          </a:prstGeom>
-        </p:spPr>
-        <p:style>
-          <a:lnRef idx="2">
-            <a:schemeClr val="accent1">
-              <a:shade val="15000"/>
-            </a:schemeClr>
-          </a:lnRef>
-          <a:fillRef idx="1">
-            <a:schemeClr val="accent1"/>
-          </a:fillRef>
-          <a:effectRef idx="0">
-            <a:schemeClr val="accent1"/>
-          </a:effectRef>
-          <a:fontRef idx="minor">
-            <a:schemeClr val="lt1"/>
-          </a:fontRef>
-        </p:style>
-        <p:txBody>
-          <a:bodyPr rtlCol="0" anchor="ctr"/>
-          <a:lstStyle/>
-          <a:p>
-            <a:pPr algn="ctr"/>
-            <a:endParaRPr kumimoji="1" lang="ja-JP" altLang="en-US"/>
-          </a:p>
-        </p:txBody>
-      </p:sp>
-      <p:sp>
-        <p:nvSpPr>
-          <p:cNvPr id="48" name="フリーフォーム 47">
-            <a:extLst>
-              <a:ext uri="{FF2B5EF4-FFF2-40B4-BE49-F238E27FC236}">
-                <a16:creationId xmlns:a16="http://schemas.microsoft.com/office/drawing/2014/main" id="{ABFAA68F-4ABB-0DAD-E12C-78884C7ECEF9}"/>
-              </a:ext>
-            </a:extLst>
-          </p:cNvPr>
-          <p:cNvSpPr/>
-          <p:nvPr/>
-        </p:nvSpPr>
-        <p:spPr>
-          <a:xfrm>
-            <a:off x="5486401" y="1199148"/>
-            <a:ext cx="4860758" cy="1147010"/>
-          </a:xfrm>
-          <a:custGeom>
-            <a:avLst/>
-            <a:gdLst>
-              <a:gd name="connsiteX0" fmla="*/ 0 w 4860758"/>
-              <a:gd name="connsiteY0" fmla="*/ 421214 h 660926"/>
-              <a:gd name="connsiteX1" fmla="*/ 625642 w 4860758"/>
-              <a:gd name="connsiteY1" fmla="*/ 577625 h 660926"/>
-              <a:gd name="connsiteX2" fmla="*/ 1311442 w 4860758"/>
-              <a:gd name="connsiteY2" fmla="*/ 12141 h 660926"/>
-              <a:gd name="connsiteX3" fmla="*/ 2201779 w 4860758"/>
-              <a:gd name="connsiteY3" fmla="*/ 577625 h 660926"/>
-              <a:gd name="connsiteX4" fmla="*/ 2827421 w 4860758"/>
-              <a:gd name="connsiteY4" fmla="*/ 109 h 660926"/>
-              <a:gd name="connsiteX5" fmla="*/ 3489158 w 4860758"/>
-              <a:gd name="connsiteY5" fmla="*/ 529499 h 660926"/>
-              <a:gd name="connsiteX6" fmla="*/ 3741821 w 4860758"/>
-              <a:gd name="connsiteY6" fmla="*/ 625751 h 660926"/>
-              <a:gd name="connsiteX7" fmla="*/ 4223084 w 4860758"/>
-              <a:gd name="connsiteY7" fmla="*/ 36204 h 660926"/>
-              <a:gd name="connsiteX8" fmla="*/ 4860758 w 4860758"/>
-              <a:gd name="connsiteY8" fmla="*/ 637783 h 660926"/>
-            </a:gdLst>
-            <a:ahLst/>
-            <a:cxnLst>
-              <a:cxn ang="0">
-                <a:pos x="connsiteX0" y="connsiteY0"/>
-              </a:cxn>
-              <a:cxn ang="0">
-                <a:pos x="connsiteX1" y="connsiteY1"/>
-              </a:cxn>
-              <a:cxn ang="0">
-                <a:pos x="connsiteX2" y="connsiteY2"/>
-              </a:cxn>
-              <a:cxn ang="0">
-                <a:pos x="connsiteX3" y="connsiteY3"/>
-              </a:cxn>
-              <a:cxn ang="0">
-                <a:pos x="connsiteX4" y="connsiteY4"/>
-              </a:cxn>
-              <a:cxn ang="0">
-                <a:pos x="connsiteX5" y="connsiteY5"/>
-              </a:cxn>
-              <a:cxn ang="0">
-                <a:pos x="connsiteX6" y="connsiteY6"/>
-              </a:cxn>
-              <a:cxn ang="0">
-                <a:pos x="connsiteX7" y="connsiteY7"/>
-              </a:cxn>
-              <a:cxn ang="0">
-                <a:pos x="connsiteX8" y="connsiteY8"/>
-              </a:cxn>
-            </a:cxnLst>
-            <a:rect l="l" t="t" r="r" b="b"/>
-            <a:pathLst>
-              <a:path w="4860758" h="660926">
-                <a:moveTo>
-                  <a:pt x="0" y="421214"/>
-                </a:moveTo>
-                <a:cubicBezTo>
-                  <a:pt x="203534" y="533509"/>
-                  <a:pt x="407068" y="645804"/>
-                  <a:pt x="625642" y="577625"/>
-                </a:cubicBezTo>
-                <a:cubicBezTo>
-                  <a:pt x="844216" y="509446"/>
-                  <a:pt x="1048753" y="12141"/>
-                  <a:pt x="1311442" y="12141"/>
-                </a:cubicBezTo>
-                <a:cubicBezTo>
-                  <a:pt x="1574131" y="12141"/>
-                  <a:pt x="1949116" y="579630"/>
-                  <a:pt x="2201779" y="577625"/>
-                </a:cubicBezTo>
-                <a:cubicBezTo>
-                  <a:pt x="2454442" y="575620"/>
-                  <a:pt x="2612858" y="8130"/>
-                  <a:pt x="2827421" y="109"/>
-                </a:cubicBezTo>
-                <a:cubicBezTo>
-                  <a:pt x="3041984" y="-7912"/>
-                  <a:pt x="3336758" y="425225"/>
-                  <a:pt x="3489158" y="529499"/>
-                </a:cubicBezTo>
-                <a:cubicBezTo>
-                  <a:pt x="3641558" y="633773"/>
-                  <a:pt x="3619500" y="707967"/>
-                  <a:pt x="3741821" y="625751"/>
-                </a:cubicBezTo>
-                <a:cubicBezTo>
-                  <a:pt x="3864142" y="543535"/>
-                  <a:pt x="4036595" y="34199"/>
-                  <a:pt x="4223084" y="36204"/>
-                </a:cubicBezTo>
-                <a:cubicBezTo>
-                  <a:pt x="4409573" y="38209"/>
-                  <a:pt x="4744453" y="533509"/>
-                  <a:pt x="4860758" y="637783"/>
-                </a:cubicBezTo>
-              </a:path>
-            </a:pathLst>
-          </a:custGeom>
-          <a:noFill/>
-        </p:spPr>
-        <p:style>
-          <a:lnRef idx="2">
-            <a:schemeClr val="accent1">
-              <a:shade val="15000"/>
-            </a:schemeClr>
-          </a:lnRef>
-          <a:fillRef idx="1">
-            <a:schemeClr val="accent1"/>
-          </a:fillRef>
-          <a:effectRef idx="0">
-            <a:schemeClr val="accent1"/>
-          </a:effectRef>
-          <a:fontRef idx="minor">
-            <a:schemeClr val="lt1"/>
-          </a:fontRef>
-        </p:style>
-        <p:txBody>
-          <a:bodyPr rtlCol="0" anchor="ctr"/>
-          <a:lstStyle/>
-          <a:p>
-            <a:pPr algn="ctr"/>
-            <a:endParaRPr kumimoji="1" lang="ja-JP" altLang="en-US"/>
-          </a:p>
-        </p:txBody>
-      </p:sp>
-      <p:sp>
-        <p:nvSpPr>
-          <p:cNvPr id="50" name="角丸四角形 49">
-            <a:extLst>
-              <a:ext uri="{FF2B5EF4-FFF2-40B4-BE49-F238E27FC236}">
-                <a16:creationId xmlns:a16="http://schemas.microsoft.com/office/drawing/2014/main" id="{06354EE8-5254-3DDA-42CD-FC4C2F270BFC}"/>
-              </a:ext>
-            </a:extLst>
-          </p:cNvPr>
-          <p:cNvSpPr/>
-          <p:nvPr/>
-        </p:nvSpPr>
-        <p:spPr>
-          <a:xfrm>
-            <a:off x="5029200" y="3360821"/>
+            <a:off x="1844841" y="4031940"/>
             <a:ext cx="4307305" cy="693821"/>
           </a:xfrm>
           <a:prstGeom prst="roundRect">
